--- a/SOUTENANCE/Boutinon_Celine_4_presentation_062025_v2.pptx
+++ b/SOUTENANCE/Boutinon_Celine_4_presentation_062025_v2.pptx
@@ -206,7 +206,7 @@
           <a:p>
             <a:fld id="{2ED65E25-E688-482C-9D90-2FC2900F3747}" type="datetimeFigureOut">
               <a:rPr lang="en-US" smtClean="0"/>
-              <a:t>7/15/2025</a:t>
+              <a:t>7/17/2025</a:t>
             </a:fld>
             <a:endParaRPr lang="en-US"/>
           </a:p>
@@ -620,7 +620,7 @@
           <a:p>
             <a:fld id="{9A59AA64-94A0-43D9-80EA-653E9211C8E6}" type="datetimeFigureOut">
               <a:rPr lang="en-US" smtClean="0"/>
-              <a:t>7/15/2025</a:t>
+              <a:t>7/17/2025</a:t>
             </a:fld>
             <a:endParaRPr lang="en-US"/>
           </a:p>
@@ -818,7 +818,7 @@
           <a:p>
             <a:fld id="{9A59AA64-94A0-43D9-80EA-653E9211C8E6}" type="datetimeFigureOut">
               <a:rPr lang="en-US" smtClean="0"/>
-              <a:t>7/15/2025</a:t>
+              <a:t>7/17/2025</a:t>
             </a:fld>
             <a:endParaRPr lang="en-US"/>
           </a:p>
@@ -1026,7 +1026,7 @@
           <a:p>
             <a:fld id="{9A59AA64-94A0-43D9-80EA-653E9211C8E6}" type="datetimeFigureOut">
               <a:rPr lang="en-US" smtClean="0"/>
-              <a:t>7/15/2025</a:t>
+              <a:t>7/17/2025</a:t>
             </a:fld>
             <a:endParaRPr lang="en-US"/>
           </a:p>
@@ -1224,7 +1224,7 @@
           <a:p>
             <a:fld id="{9A59AA64-94A0-43D9-80EA-653E9211C8E6}" type="datetimeFigureOut">
               <a:rPr lang="en-US" smtClean="0"/>
-              <a:t>7/15/2025</a:t>
+              <a:t>7/17/2025</a:t>
             </a:fld>
             <a:endParaRPr lang="en-US"/>
           </a:p>
@@ -1499,7 +1499,7 @@
           <a:p>
             <a:fld id="{9A59AA64-94A0-43D9-80EA-653E9211C8E6}" type="datetimeFigureOut">
               <a:rPr lang="en-US" smtClean="0"/>
-              <a:t>7/15/2025</a:t>
+              <a:t>7/17/2025</a:t>
             </a:fld>
             <a:endParaRPr lang="en-US"/>
           </a:p>
@@ -1764,7 +1764,7 @@
           <a:p>
             <a:fld id="{9A59AA64-94A0-43D9-80EA-653E9211C8E6}" type="datetimeFigureOut">
               <a:rPr lang="en-US" smtClean="0"/>
-              <a:t>7/15/2025</a:t>
+              <a:t>7/17/2025</a:t>
             </a:fld>
             <a:endParaRPr lang="en-US"/>
           </a:p>
@@ -2176,7 +2176,7 @@
           <a:p>
             <a:fld id="{9A59AA64-94A0-43D9-80EA-653E9211C8E6}" type="datetimeFigureOut">
               <a:rPr lang="en-US" smtClean="0"/>
-              <a:t>7/15/2025</a:t>
+              <a:t>7/17/2025</a:t>
             </a:fld>
             <a:endParaRPr lang="en-US"/>
           </a:p>
@@ -2317,7 +2317,7 @@
           <a:p>
             <a:fld id="{9A59AA64-94A0-43D9-80EA-653E9211C8E6}" type="datetimeFigureOut">
               <a:rPr lang="en-US" smtClean="0"/>
-              <a:t>7/15/2025</a:t>
+              <a:t>7/17/2025</a:t>
             </a:fld>
             <a:endParaRPr lang="en-US"/>
           </a:p>
@@ -2430,7 +2430,7 @@
           <a:p>
             <a:fld id="{9A59AA64-94A0-43D9-80EA-653E9211C8E6}" type="datetimeFigureOut">
               <a:rPr lang="en-US" smtClean="0"/>
-              <a:t>7/15/2025</a:t>
+              <a:t>7/17/2025</a:t>
             </a:fld>
             <a:endParaRPr lang="en-US"/>
           </a:p>
@@ -2741,7 +2741,7 @@
           <a:p>
             <a:fld id="{9A59AA64-94A0-43D9-80EA-653E9211C8E6}" type="datetimeFigureOut">
               <a:rPr lang="en-US" smtClean="0"/>
-              <a:t>7/15/2025</a:t>
+              <a:t>7/17/2025</a:t>
             </a:fld>
             <a:endParaRPr lang="en-US"/>
           </a:p>
@@ -3029,7 +3029,7 @@
           <a:p>
             <a:fld id="{9A59AA64-94A0-43D9-80EA-653E9211C8E6}" type="datetimeFigureOut">
               <a:rPr lang="en-US" smtClean="0"/>
-              <a:t>7/15/2025</a:t>
+              <a:t>7/17/2025</a:t>
             </a:fld>
             <a:endParaRPr lang="en-US"/>
           </a:p>
@@ -3270,7 +3270,7 @@
           <a:p>
             <a:fld id="{9A59AA64-94A0-43D9-80EA-653E9211C8E6}" type="datetimeFigureOut">
               <a:rPr lang="en-US" smtClean="0"/>
-              <a:t>7/15/2025</a:t>
+              <a:t>7/17/2025</a:t>
             </a:fld>
             <a:endParaRPr lang="en-US"/>
           </a:p>
@@ -5246,7 +5246,7 @@
         <p:spPr>
           <a:xfrm>
             <a:off x="783076" y="1687760"/>
-            <a:ext cx="10284974" cy="1946687"/>
+            <a:ext cx="10284974" cy="2577629"/>
           </a:xfrm>
           <a:prstGeom prst="rect">
             <a:avLst/>
@@ -5369,48 +5369,78 @@
               <a:buChar char="v"/>
             </a:pPr>
             <a:r>
-              <a:rPr lang="fr-FR" dirty="0" err="1">
+              <a:rPr lang="fr-FR" noProof="0" dirty="0">
                 <a:solidFill>
                   <a:srgbClr val="242164"/>
                 </a:solidFill>
-                <a:highlight>
-                  <a:srgbClr val="FF0000"/>
-                </a:highlight>
-                <a:latin typeface="Verdana Pro Light" panose="020B0304030504040204" pitchFamily="34" charset="0"/>
-              </a:rPr>
-              <a:t>Blah</a:t>
+                <a:latin typeface="Verdana Pro Light" panose="020B0304030504040204" pitchFamily="34" charset="0"/>
+              </a:rPr>
+              <a:t>Critère métier manquant pour l’</a:t>
             </a:r>
             <a:r>
               <a:rPr lang="fr-FR" dirty="0">
                 <a:solidFill>
                   <a:srgbClr val="242164"/>
                 </a:solidFill>
-                <a:highlight>
-                  <a:srgbClr val="FF0000"/>
-                </a:highlight>
-                <a:latin typeface="Verdana Pro Light" panose="020B0304030504040204" pitchFamily="34" charset="0"/>
-              </a:rPr>
-              <a:t> </a:t>
-            </a:r>
-            <a:r>
-              <a:rPr lang="fr-FR" dirty="0" err="1">
+                <a:latin typeface="Verdana Pro Light" panose="020B0304030504040204" pitchFamily="34" charset="0"/>
+              </a:rPr>
+              <a:t>é</a:t>
+            </a:r>
+            <a:r>
+              <a:rPr lang="fr-FR" noProof="0" dirty="0">
                 <a:solidFill>
                   <a:srgbClr val="242164"/>
                 </a:solidFill>
-                <a:highlight>
-                  <a:srgbClr val="FF0000"/>
-                </a:highlight>
-                <a:latin typeface="Verdana Pro Light" panose="020B0304030504040204" pitchFamily="34" charset="0"/>
-              </a:rPr>
-              <a:t>blah</a:t>
+                <a:latin typeface="Verdana Pro Light" panose="020B0304030504040204" pitchFamily="34" charset="0"/>
+              </a:rPr>
+              <a:t>valuation de la performance de la modélisation</a:t>
+            </a:r>
+          </a:p>
+          <a:p>
+            <a:pPr marL="742950" lvl="1" indent="-285750">
+              <a:spcAft>
+                <a:spcPts val="300"/>
+              </a:spcAft>
+              <a:buClr>
+                <a:srgbClr val="F1BD5F"/>
+              </a:buClr>
+              <a:buFont typeface="Wingdings" panose="05000000000000000000" pitchFamily="2" charset="2"/>
+              <a:buChar char="Ø"/>
+            </a:pPr>
+            <a:r>
+              <a:rPr lang="fr-FR" dirty="0">
+                <a:solidFill>
+                  <a:srgbClr val="242164"/>
+                </a:solidFill>
+                <a:latin typeface="Verdana Pro Light" panose="020B0304030504040204" pitchFamily="34" charset="0"/>
+              </a:rPr>
+              <a:t>Taux d’erreur humaine / classification manuelle</a:t>
+            </a:r>
+          </a:p>
+          <a:p>
+            <a:pPr marL="742950" lvl="1" indent="-285750">
+              <a:spcAft>
+                <a:spcPts val="300"/>
+              </a:spcAft>
+              <a:buClr>
+                <a:srgbClr val="F1BD5F"/>
+              </a:buClr>
+              <a:buFont typeface="Wingdings" panose="05000000000000000000" pitchFamily="2" charset="2"/>
+              <a:buChar char="Ø"/>
+            </a:pPr>
+            <a:r>
+              <a:rPr lang="fr-FR" dirty="0">
+                <a:solidFill>
+                  <a:srgbClr val="242164"/>
+                </a:solidFill>
+                <a:latin typeface="Verdana Pro Light" panose="020B0304030504040204" pitchFamily="34" charset="0"/>
+              </a:rPr>
+              <a:t>Coût d’opportunité du statu quo</a:t>
             </a:r>
             <a:endParaRPr lang="fr-FR" noProof="0" dirty="0">
               <a:solidFill>
                 <a:srgbClr val="242164"/>
               </a:solidFill>
-              <a:highlight>
-                <a:srgbClr val="FF0000"/>
-              </a:highlight>
               <a:latin typeface="Verdana Pro Light" panose="020B0304030504040204" pitchFamily="34" charset="0"/>
             </a:endParaRPr>
           </a:p>
@@ -6403,8 +6433,8 @@
         </p:nvSpPr>
         <p:spPr>
           <a:xfrm>
-            <a:off x="1043452" y="1046396"/>
-            <a:ext cx="10534236" cy="4606389"/>
+            <a:off x="959069" y="1279693"/>
+            <a:ext cx="10534236" cy="4298613"/>
           </a:xfrm>
           <a:prstGeom prst="rect">
             <a:avLst/>
@@ -7060,15 +7090,6 @@
               </a:rPr>
               <a:t>POC &amp; Comparaison des Résultats</a:t>
             </a:r>
-          </a:p>
-          <a:p>
-            <a:pPr lvl="1"/>
-            <a:endParaRPr lang="fr-FR" sz="2000" b="1" cap="small" dirty="0">
-              <a:solidFill>
-                <a:srgbClr val="242164"/>
-              </a:solidFill>
-              <a:latin typeface="Verdana Pro Light" panose="020B0304030504040204" pitchFamily="34" charset="0"/>
-            </a:endParaRPr>
           </a:p>
           <a:p>
             <a:pPr lvl="1"/>
@@ -10894,8 +10915,8 @@
         </p:nvSpPr>
         <p:spPr>
           <a:xfrm>
-            <a:off x="3062305" y="4723030"/>
-            <a:ext cx="7920433" cy="1815882"/>
+            <a:off x="3107864" y="5024565"/>
+            <a:ext cx="7920433" cy="1569660"/>
           </a:xfrm>
           <a:prstGeom prst="rect">
             <a:avLst/>
@@ -10965,19 +10986,6 @@
               <a:t>https://credit-scoring-api-0p1u.onrender.com</a:t>
             </a:r>
             <a:endParaRPr lang="en-US" sz="1600" dirty="0">
-              <a:solidFill>
-                <a:srgbClr val="242164"/>
-              </a:solidFill>
-              <a:latin typeface="Verdana Pro Light" panose="020B0304030504040204" pitchFamily="34" charset="0"/>
-            </a:endParaRPr>
-          </a:p>
-          <a:p>
-            <a:pPr algn="ctr">
-              <a:buClr>
-                <a:srgbClr val="F1BD5F"/>
-              </a:buClr>
-            </a:pPr>
-            <a:endParaRPr lang="en-US" sz="1600" b="1" dirty="0">
               <a:solidFill>
                 <a:srgbClr val="242164"/>
               </a:solidFill>
@@ -11067,7 +11075,7 @@
         </p:nvGrpSpPr>
         <p:grpSpPr>
           <a:xfrm>
-            <a:off x="699159" y="1151693"/>
+            <a:off x="744720" y="1256388"/>
             <a:ext cx="10064169" cy="3561821"/>
             <a:chOff x="848246" y="1829860"/>
             <a:chExt cx="10064169" cy="3561821"/>
@@ -13470,7 +13478,7 @@
         </p:nvSpPr>
         <p:spPr>
           <a:xfrm>
-            <a:off x="477078" y="1033670"/>
+            <a:off x="522639" y="1138365"/>
             <a:ext cx="10505658" cy="3886200"/>
           </a:xfrm>
           <a:prstGeom prst="rect">
@@ -13524,7 +13532,7 @@
         </p:nvCxnSpPr>
         <p:spPr>
           <a:xfrm>
-            <a:off x="7241108" y="4652811"/>
+            <a:off x="7286669" y="4757506"/>
             <a:ext cx="0" cy="575172"/>
           </a:xfrm>
           <a:prstGeom prst="straightConnector1">
@@ -13568,7 +13576,7 @@
         </p:nvCxnSpPr>
         <p:spPr>
           <a:xfrm>
-            <a:off x="8740509" y="4652811"/>
+            <a:off x="8786070" y="4757506"/>
             <a:ext cx="0" cy="1330546"/>
           </a:xfrm>
           <a:prstGeom prst="straightConnector1">
@@ -13610,7 +13618,7 @@
         </p:nvSpPr>
         <p:spPr>
           <a:xfrm>
-            <a:off x="3853578" y="4899893"/>
+            <a:off x="3899139" y="5004588"/>
             <a:ext cx="3005763" cy="215444"/>
           </a:xfrm>
           <a:prstGeom prst="rect">
